--- a/Entity Hierarchy.pptx
+++ b/Entity Hierarchy.pptx
@@ -104,6 +104,11 @@
       </a:defRPr>
     </a:lvl9pPr>
   </p:defaultTextStyle>
+  <p:extLst>
+    <p:ext uri="{EFAFB233-063F-42B5-8137-9DF3F51BA10A}">
+      <p15:sldGuideLst xmlns:p15="http://schemas.microsoft.com/office/powerpoint/2012/main"/>
+    </p:ext>
+  </p:extLst>
 </p:presentation>
 </file>
 
@@ -256,7 +261,7 @@
           <a:p>
             <a:fld id="{7BC59183-CC58-4A95-93A7-53BED5FB50F2}" type="datetimeFigureOut">
               <a:rPr lang="vi-VN" smtClean="0"/>
-              <a:t>05/11/2021</a:t>
+              <a:t>07/11/2021</a:t>
             </a:fld>
             <a:endParaRPr lang="vi-VN"/>
           </a:p>
@@ -456,7 +461,7 @@
           <a:p>
             <a:fld id="{7BC59183-CC58-4A95-93A7-53BED5FB50F2}" type="datetimeFigureOut">
               <a:rPr lang="vi-VN" smtClean="0"/>
-              <a:t>05/11/2021</a:t>
+              <a:t>07/11/2021</a:t>
             </a:fld>
             <a:endParaRPr lang="vi-VN"/>
           </a:p>
@@ -666,7 +671,7 @@
           <a:p>
             <a:fld id="{7BC59183-CC58-4A95-93A7-53BED5FB50F2}" type="datetimeFigureOut">
               <a:rPr lang="vi-VN" smtClean="0"/>
-              <a:t>05/11/2021</a:t>
+              <a:t>07/11/2021</a:t>
             </a:fld>
             <a:endParaRPr lang="vi-VN"/>
           </a:p>
@@ -866,7 +871,7 @@
           <a:p>
             <a:fld id="{7BC59183-CC58-4A95-93A7-53BED5FB50F2}" type="datetimeFigureOut">
               <a:rPr lang="vi-VN" smtClean="0"/>
-              <a:t>05/11/2021</a:t>
+              <a:t>07/11/2021</a:t>
             </a:fld>
             <a:endParaRPr lang="vi-VN"/>
           </a:p>
@@ -1142,7 +1147,7 @@
           <a:p>
             <a:fld id="{7BC59183-CC58-4A95-93A7-53BED5FB50F2}" type="datetimeFigureOut">
               <a:rPr lang="vi-VN" smtClean="0"/>
-              <a:t>05/11/2021</a:t>
+              <a:t>07/11/2021</a:t>
             </a:fld>
             <a:endParaRPr lang="vi-VN"/>
           </a:p>
@@ -1410,7 +1415,7 @@
           <a:p>
             <a:fld id="{7BC59183-CC58-4A95-93A7-53BED5FB50F2}" type="datetimeFigureOut">
               <a:rPr lang="vi-VN" smtClean="0"/>
-              <a:t>05/11/2021</a:t>
+              <a:t>07/11/2021</a:t>
             </a:fld>
             <a:endParaRPr lang="vi-VN"/>
           </a:p>
@@ -1825,7 +1830,7 @@
           <a:p>
             <a:fld id="{7BC59183-CC58-4A95-93A7-53BED5FB50F2}" type="datetimeFigureOut">
               <a:rPr lang="vi-VN" smtClean="0"/>
-              <a:t>05/11/2021</a:t>
+              <a:t>07/11/2021</a:t>
             </a:fld>
             <a:endParaRPr lang="vi-VN"/>
           </a:p>
@@ -1967,7 +1972,7 @@
           <a:p>
             <a:fld id="{7BC59183-CC58-4A95-93A7-53BED5FB50F2}" type="datetimeFigureOut">
               <a:rPr lang="vi-VN" smtClean="0"/>
-              <a:t>05/11/2021</a:t>
+              <a:t>07/11/2021</a:t>
             </a:fld>
             <a:endParaRPr lang="vi-VN"/>
           </a:p>
@@ -2080,7 +2085,7 @@
           <a:p>
             <a:fld id="{7BC59183-CC58-4A95-93A7-53BED5FB50F2}" type="datetimeFigureOut">
               <a:rPr lang="vi-VN" smtClean="0"/>
-              <a:t>05/11/2021</a:t>
+              <a:t>07/11/2021</a:t>
             </a:fld>
             <a:endParaRPr lang="vi-VN"/>
           </a:p>
@@ -2393,7 +2398,7 @@
           <a:p>
             <a:fld id="{7BC59183-CC58-4A95-93A7-53BED5FB50F2}" type="datetimeFigureOut">
               <a:rPr lang="vi-VN" smtClean="0"/>
-              <a:t>05/11/2021</a:t>
+              <a:t>07/11/2021</a:t>
             </a:fld>
             <a:endParaRPr lang="vi-VN"/>
           </a:p>
@@ -2682,7 +2687,7 @@
           <a:p>
             <a:fld id="{7BC59183-CC58-4A95-93A7-53BED5FB50F2}" type="datetimeFigureOut">
               <a:rPr lang="vi-VN" smtClean="0"/>
-              <a:t>05/11/2021</a:t>
+              <a:t>07/11/2021</a:t>
             </a:fld>
             <a:endParaRPr lang="vi-VN"/>
           </a:p>
@@ -2925,7 +2930,7 @@
           <a:p>
             <a:fld id="{7BC59183-CC58-4A95-93A7-53BED5FB50F2}" type="datetimeFigureOut">
               <a:rPr lang="vi-VN" smtClean="0"/>
-              <a:t>05/11/2021</a:t>
+              <a:t>07/11/2021</a:t>
             </a:fld>
             <a:endParaRPr lang="vi-VN"/>
           </a:p>
@@ -3436,7 +3441,38 @@
             <a:pPr algn="ctr"/>
             <a:r>
               <a:rPr lang="en-US" dirty="0"/>
-              <a:t>Moving Entity</a:t>
+              <a:t>Dynamic Entity</a:t>
+            </a:r>
+          </a:p>
+          <a:p>
+            <a:pPr algn="ctr"/>
+            <a:r>
+              <a:rPr lang="en-US" sz="1200" dirty="0"/>
+              <a:t>(</a:t>
+            </a:r>
+            <a:r>
+              <a:rPr lang="en-US" sz="1200" dirty="0" err="1"/>
+              <a:t>Vật</a:t>
+            </a:r>
+            <a:r>
+              <a:rPr lang="en-US" sz="1200" dirty="0"/>
+              <a:t> </a:t>
+            </a:r>
+            <a:r>
+              <a:rPr lang="en-US" sz="1200" dirty="0" err="1"/>
+              <a:t>thể</a:t>
+            </a:r>
+            <a:r>
+              <a:rPr lang="en-US" sz="1200" dirty="0"/>
+              <a:t> </a:t>
+            </a:r>
+            <a:r>
+              <a:rPr lang="en-US" sz="1200" dirty="0" err="1"/>
+              <a:t>động</a:t>
+            </a:r>
+            <a:r>
+              <a:rPr lang="en-US" sz="1200" dirty="0"/>
+              <a:t>)</a:t>
             </a:r>
             <a:endParaRPr lang="vi-VN" dirty="0"/>
           </a:p>
@@ -3498,7 +3534,7 @@
         </p:nvSpPr>
         <p:spPr>
           <a:xfrm>
-            <a:off x="7364027" y="2665520"/>
+            <a:off x="5663954" y="2317073"/>
             <a:ext cx="2494625" cy="763480"/>
           </a:xfrm>
           <a:prstGeom prst="rect">
@@ -3550,9 +3586,9 @@
           <p:nvPr/>
         </p:nvCxnSpPr>
         <p:spPr>
-          <a:xfrm>
-            <a:off x="8611340" y="1970843"/>
-            <a:ext cx="0" cy="694677"/>
+          <a:xfrm flipH="1">
+            <a:off x="6911267" y="1970843"/>
+            <a:ext cx="1700073" cy="346230"/>
           </a:xfrm>
           <a:prstGeom prst="straightConnector1">
             <a:avLst/>
@@ -3620,7 +3656,38 @@
             <a:pPr algn="ctr"/>
             <a:r>
               <a:rPr lang="en-US" dirty="0"/>
-              <a:t>Tile</a:t>
+              <a:t>Static Entity</a:t>
+            </a:r>
+          </a:p>
+          <a:p>
+            <a:pPr algn="ctr"/>
+            <a:r>
+              <a:rPr lang="en-US" sz="1200" dirty="0"/>
+              <a:t>(</a:t>
+            </a:r>
+            <a:r>
+              <a:rPr lang="en-US" sz="1200" dirty="0" err="1"/>
+              <a:t>Vật</a:t>
+            </a:r>
+            <a:r>
+              <a:rPr lang="en-US" sz="1200" dirty="0"/>
+              <a:t> </a:t>
+            </a:r>
+            <a:r>
+              <a:rPr lang="en-US" sz="1200" dirty="0" err="1"/>
+              <a:t>thể</a:t>
+            </a:r>
+            <a:r>
+              <a:rPr lang="en-US" sz="1200" dirty="0"/>
+              <a:t> </a:t>
+            </a:r>
+            <a:r>
+              <a:rPr lang="en-US" sz="1200" dirty="0" err="1"/>
+              <a:t>tĩnh</a:t>
+            </a:r>
+            <a:r>
+              <a:rPr lang="en-US" sz="1200" dirty="0"/>
+              <a:t>)</a:t>
             </a:r>
             <a:endParaRPr lang="vi-VN" dirty="0"/>
           </a:p>
@@ -3712,7 +3779,7 @@
             <a:pPr algn="ctr"/>
             <a:r>
               <a:rPr lang="en-US" dirty="0"/>
-              <a:t>Collision able</a:t>
+              <a:t>Stone</a:t>
             </a:r>
             <a:endParaRPr lang="vi-VN" dirty="0"/>
           </a:p>
@@ -3737,6 +3804,190 @@
           <a:xfrm flipH="1">
             <a:off x="2658862" y="1970843"/>
             <a:ext cx="1" cy="747943"/>
+          </a:xfrm>
+          <a:prstGeom prst="straightConnector1">
+            <a:avLst/>
+          </a:prstGeom>
+          <a:ln w="19050">
+            <a:tailEnd type="triangle"/>
+          </a:ln>
+        </p:spPr>
+        <p:style>
+          <a:lnRef idx="1">
+            <a:schemeClr val="dk1"/>
+          </a:lnRef>
+          <a:fillRef idx="0">
+            <a:schemeClr val="dk1"/>
+          </a:fillRef>
+          <a:effectRef idx="0">
+            <a:schemeClr val="dk1"/>
+          </a:effectRef>
+          <a:fontRef idx="minor">
+            <a:schemeClr val="tx1"/>
+          </a:fontRef>
+        </p:style>
+      </p:cxnSp>
+      <p:sp>
+        <p:nvSpPr>
+          <p:cNvPr id="3" name="Rectangle 2">
+            <a:extLst>
+              <a:ext uri="{FF2B5EF4-FFF2-40B4-BE49-F238E27FC236}">
+                <a16:creationId xmlns:a16="http://schemas.microsoft.com/office/drawing/2014/main" id="{786EAC6B-D82A-43C5-9B6F-35CC5815AAEA}"/>
+              </a:ext>
+            </a:extLst>
+          </p:cNvPr>
+          <p:cNvSpPr/>
+          <p:nvPr/>
+        </p:nvSpPr>
+        <p:spPr>
+          <a:xfrm>
+            <a:off x="8691239" y="2317073"/>
+            <a:ext cx="2521258" cy="763480"/>
+          </a:xfrm>
+          <a:prstGeom prst="rect">
+            <a:avLst/>
+          </a:prstGeom>
+        </p:spPr>
+        <p:style>
+          <a:lnRef idx="2">
+            <a:schemeClr val="accent1">
+              <a:shade val="50000"/>
+            </a:schemeClr>
+          </a:lnRef>
+          <a:fillRef idx="1">
+            <a:schemeClr val="accent1"/>
+          </a:fillRef>
+          <a:effectRef idx="0">
+            <a:schemeClr val="accent1"/>
+          </a:effectRef>
+          <a:fontRef idx="minor">
+            <a:schemeClr val="lt1"/>
+          </a:fontRef>
+        </p:style>
+        <p:txBody>
+          <a:bodyPr rtlCol="0" anchor="ctr"/>
+          <a:lstStyle/>
+          <a:p>
+            <a:pPr algn="ctr"/>
+            <a:r>
+              <a:rPr lang="en-US" dirty="0"/>
+              <a:t>Enemy</a:t>
+            </a:r>
+          </a:p>
+        </p:txBody>
+      </p:sp>
+      <p:cxnSp>
+        <p:nvCxnSpPr>
+          <p:cNvPr id="9" name="Straight Arrow Connector 8">
+            <a:extLst>
+              <a:ext uri="{FF2B5EF4-FFF2-40B4-BE49-F238E27FC236}">
+                <a16:creationId xmlns:a16="http://schemas.microsoft.com/office/drawing/2014/main" id="{91D4AD8A-8FC9-4A69-9930-F192395B480D}"/>
+              </a:ext>
+            </a:extLst>
+          </p:cNvPr>
+          <p:cNvCxnSpPr>
+            <a:cxnSpLocks/>
+            <a:stCxn id="5" idx="2"/>
+            <a:endCxn id="3" idx="0"/>
+          </p:cNvCxnSpPr>
+          <p:nvPr/>
+        </p:nvCxnSpPr>
+        <p:spPr>
+          <a:xfrm>
+            <a:off x="8611340" y="1970843"/>
+            <a:ext cx="1340528" cy="346230"/>
+          </a:xfrm>
+          <a:prstGeom prst="straightConnector1">
+            <a:avLst/>
+          </a:prstGeom>
+          <a:ln w="19050">
+            <a:tailEnd type="triangle"/>
+          </a:ln>
+        </p:spPr>
+        <p:style>
+          <a:lnRef idx="1">
+            <a:schemeClr val="dk1"/>
+          </a:lnRef>
+          <a:fillRef idx="0">
+            <a:schemeClr val="dk1"/>
+          </a:fillRef>
+          <a:effectRef idx="0">
+            <a:schemeClr val="dk1"/>
+          </a:effectRef>
+          <a:fontRef idx="minor">
+            <a:schemeClr val="tx1"/>
+          </a:fontRef>
+        </p:style>
+      </p:cxnSp>
+      <p:sp>
+        <p:nvSpPr>
+          <p:cNvPr id="15" name="Rectangle 14">
+            <a:extLst>
+              <a:ext uri="{FF2B5EF4-FFF2-40B4-BE49-F238E27FC236}">
+                <a16:creationId xmlns:a16="http://schemas.microsoft.com/office/drawing/2014/main" id="{7D2FD148-33AF-403C-8010-B9D182702169}"/>
+              </a:ext>
+            </a:extLst>
+          </p:cNvPr>
+          <p:cNvSpPr/>
+          <p:nvPr/>
+        </p:nvSpPr>
+        <p:spPr>
+          <a:xfrm>
+            <a:off x="9152877" y="4270159"/>
+            <a:ext cx="1597981" cy="594804"/>
+          </a:xfrm>
+          <a:prstGeom prst="rect">
+            <a:avLst/>
+          </a:prstGeom>
+        </p:spPr>
+        <p:style>
+          <a:lnRef idx="2">
+            <a:schemeClr val="accent1">
+              <a:shade val="50000"/>
+            </a:schemeClr>
+          </a:lnRef>
+          <a:fillRef idx="1">
+            <a:schemeClr val="accent1"/>
+          </a:fillRef>
+          <a:effectRef idx="0">
+            <a:schemeClr val="accent1"/>
+          </a:effectRef>
+          <a:fontRef idx="minor">
+            <a:schemeClr val="lt1"/>
+          </a:fontRef>
+        </p:style>
+        <p:txBody>
+          <a:bodyPr rtlCol="0" anchor="ctr"/>
+          <a:lstStyle/>
+          <a:p>
+            <a:pPr algn="ctr"/>
+            <a:r>
+              <a:rPr lang="en-US" dirty="0"/>
+              <a:t>Balloon</a:t>
+            </a:r>
+            <a:endParaRPr lang="vi-VN" dirty="0"/>
+          </a:p>
+        </p:txBody>
+      </p:sp>
+      <p:cxnSp>
+        <p:nvCxnSpPr>
+          <p:cNvPr id="19" name="Straight Arrow Connector 18">
+            <a:extLst>
+              <a:ext uri="{FF2B5EF4-FFF2-40B4-BE49-F238E27FC236}">
+                <a16:creationId xmlns:a16="http://schemas.microsoft.com/office/drawing/2014/main" id="{3C78BB27-D082-45E1-9845-C5B53905A081}"/>
+              </a:ext>
+            </a:extLst>
+          </p:cNvPr>
+          <p:cNvCxnSpPr>
+            <a:stCxn id="3" idx="2"/>
+            <a:endCxn id="15" idx="0"/>
+          </p:cNvCxnSpPr>
+          <p:nvPr/>
+        </p:nvCxnSpPr>
+        <p:spPr>
+          <a:xfrm>
+            <a:off x="9951868" y="3080553"/>
+            <a:ext cx="0" cy="1189606"/>
           </a:xfrm>
           <a:prstGeom prst="straightConnector1">
             <a:avLst/>
